--- a/03-HTML5/05-跨文档消息通信/HTML5.pptx
+++ b/03-HTML5/05-跨文档消息通信/HTML5.pptx
@@ -141,6 +141,22 @@
       </a:defRPr>
     </a:lvl9pPr>
   </p:defaultTextStyle>
+  <p:extLst>
+    <p:ext uri="{EFAFB233-063F-42B5-8137-9DF3F51BA10A}">
+      <p15:sldGuideLst xmlns:p15="http://schemas.microsoft.com/office/powerpoint/2012/main">
+        <p15:guide id="1" orient="horz" pos="2160">
+          <p15:clr>
+            <a:srgbClr val="A4A3A4"/>
+          </p15:clr>
+        </p15:guide>
+        <p15:guide id="2" pos="2880">
+          <p15:clr>
+            <a:srgbClr val="A4A3A4"/>
+          </p15:clr>
+        </p15:guide>
+      </p15:sldGuideLst>
+    </p:ext>
+  </p:extLst>
 </p:presentation>
 </file>
 
@@ -335,7 +351,7 @@
               <a:pPr>
                 <a:defRPr/>
               </a:pPr>
-              <a:t>2014/5/4</a:t>
+              <a:t>2018/12/17</a:t>
             </a:fld>
             <a:endParaRPr lang="zh-CN" altLang="en-US"/>
           </a:p>
@@ -530,7 +546,7 @@
               <a:pPr>
                 <a:defRPr/>
               </a:pPr>
-              <a:t>2014/5/4</a:t>
+              <a:t>2018/12/17</a:t>
             </a:fld>
             <a:endParaRPr lang="zh-CN" altLang="en-US"/>
           </a:p>
@@ -735,7 +751,7 @@
               <a:pPr>
                 <a:defRPr/>
               </a:pPr>
-              <a:t>2014/5/4</a:t>
+              <a:t>2018/12/17</a:t>
             </a:fld>
             <a:endParaRPr lang="zh-CN" altLang="en-US"/>
           </a:p>
@@ -930,7 +946,7 @@
               <a:pPr>
                 <a:defRPr/>
               </a:pPr>
-              <a:t>2014/5/4</a:t>
+              <a:t>2018/12/17</a:t>
             </a:fld>
             <a:endParaRPr lang="zh-CN" altLang="en-US"/>
           </a:p>
@@ -1201,7 +1217,7 @@
               <a:pPr>
                 <a:defRPr/>
               </a:pPr>
-              <a:t>2014/5/4</a:t>
+              <a:t>2018/12/17</a:t>
             </a:fld>
             <a:endParaRPr lang="zh-CN" altLang="en-US"/>
           </a:p>
@@ -1514,7 +1530,7 @@
               <a:pPr>
                 <a:defRPr/>
               </a:pPr>
-              <a:t>2014/5/4</a:t>
+              <a:t>2018/12/17</a:t>
             </a:fld>
             <a:endParaRPr lang="zh-CN" altLang="en-US"/>
           </a:p>
@@ -1961,7 +1977,7 @@
               <a:pPr>
                 <a:defRPr/>
               </a:pPr>
-              <a:t>2014/5/4</a:t>
+              <a:t>2018/12/17</a:t>
             </a:fld>
             <a:endParaRPr lang="zh-CN" altLang="en-US"/>
           </a:p>
@@ -2104,7 +2120,7 @@
               <a:pPr>
                 <a:defRPr/>
               </a:pPr>
-              <a:t>2014/5/4</a:t>
+              <a:t>2018/12/17</a:t>
             </a:fld>
             <a:endParaRPr lang="zh-CN" altLang="en-US"/>
           </a:p>
@@ -2224,7 +2240,7 @@
               <a:pPr>
                 <a:defRPr/>
               </a:pPr>
-              <a:t>2014/5/4</a:t>
+              <a:t>2018/12/17</a:t>
             </a:fld>
             <a:endParaRPr lang="zh-CN" altLang="en-US"/>
           </a:p>
@@ -2526,7 +2542,7 @@
               <a:pPr>
                 <a:defRPr/>
               </a:pPr>
-              <a:t>2014/5/4</a:t>
+              <a:t>2018/12/17</a:t>
             </a:fld>
             <a:endParaRPr lang="zh-CN" altLang="en-US"/>
           </a:p>
@@ -2807,7 +2823,7 @@
               <a:pPr>
                 <a:defRPr/>
               </a:pPr>
-              <a:t>2014/5/4</a:t>
+              <a:t>2018/12/17</a:t>
             </a:fld>
             <a:endParaRPr lang="zh-CN" altLang="en-US"/>
           </a:p>
@@ -3073,7 +3089,7 @@
               <a:pPr>
                 <a:defRPr/>
               </a:pPr>
-              <a:t>2014/5/4</a:t>
+              <a:t>2018/12/17</a:t>
             </a:fld>
             <a:endParaRPr lang="zh-CN" altLang="en-US"/>
           </a:p>
